--- a/Zaitsev EA.pptx
+++ b/Zaitsev EA.pptx
@@ -11,15 +11,15 @@
     <p:sldId id="257" r:id="rId2"/>
     <p:sldId id="258" r:id="rId3"/>
     <p:sldId id="259" r:id="rId4"/>
-    <p:sldId id="260" r:id="rId5"/>
-    <p:sldId id="261" r:id="rId6"/>
-    <p:sldId id="262" r:id="rId7"/>
-    <p:sldId id="288" r:id="rId8"/>
-    <p:sldId id="294" r:id="rId9"/>
-    <p:sldId id="280" r:id="rId10"/>
-    <p:sldId id="265" r:id="rId11"/>
-    <p:sldId id="266" r:id="rId12"/>
-    <p:sldId id="267" r:id="rId13"/>
+    <p:sldId id="261" r:id="rId5"/>
+    <p:sldId id="262" r:id="rId6"/>
+    <p:sldId id="288" r:id="rId7"/>
+    <p:sldId id="294" r:id="rId8"/>
+    <p:sldId id="280" r:id="rId9"/>
+    <p:sldId id="265" r:id="rId10"/>
+    <p:sldId id="266" r:id="rId11"/>
+    <p:sldId id="267" r:id="rId12"/>
+    <p:sldId id="260" r:id="rId13"/>
   </p:sldIdLst>
   <p:sldSz cx="12192000" cy="6858000"/>
   <p:notesSz cx="6858000" cy="9144000"/>
@@ -579,7 +579,7 @@
   <p:cSld>
     <p:spTree>
       <p:nvGrpSpPr>
-        <p:cNvPr id="1" name="Shape 217"/>
+        <p:cNvPr id="1" name="Shape 230"/>
         <p:cNvGrpSpPr/>
         <p:nvPr/>
       </p:nvGrpSpPr>
@@ -593,7 +593,7 @@
       </p:grpSpPr>
       <p:sp>
         <p:nvSpPr>
-          <p:cNvPr id="218" name="Google Shape;218;g3104438fcaf_0_1:notes"/>
+          <p:cNvPr id="231" name="Google Shape;231;g30f7d84ce1d_0_388:notes"/>
           <p:cNvSpPr>
             <a:spLocks noGrp="1" noRot="1" noChangeAspect="1"/>
           </p:cNvSpPr>
@@ -634,7 +634,7 @@
       </p:sp>
       <p:sp>
         <p:nvSpPr>
-          <p:cNvPr id="219" name="Google Shape;219;g3104438fcaf_0_1:notes"/>
+          <p:cNvPr id="232" name="Google Shape;232;g30f7d84ce1d_0_388:notes"/>
           <p:cNvSpPr txBox="1">
             <a:spLocks noGrp="1"/>
           </p:cNvSpPr>
@@ -683,7 +683,7 @@
   <p:cSld>
     <p:spTree>
       <p:nvGrpSpPr>
-        <p:cNvPr id="1" name="Shape 230"/>
+        <p:cNvPr id="1" name="Shape 237"/>
         <p:cNvGrpSpPr/>
         <p:nvPr/>
       </p:nvGrpSpPr>
@@ -697,7 +697,7 @@
       </p:grpSpPr>
       <p:sp>
         <p:nvSpPr>
-          <p:cNvPr id="231" name="Google Shape;231;g30f7d84ce1d_0_388:notes"/>
+          <p:cNvPr id="238" name="Google Shape;238;g341727d1ac5_0_0:notes"/>
           <p:cNvSpPr>
             <a:spLocks noGrp="1" noRot="1" noChangeAspect="1"/>
           </p:cNvSpPr>
@@ -738,7 +738,7 @@
       </p:sp>
       <p:sp>
         <p:nvSpPr>
-          <p:cNvPr id="232" name="Google Shape;232;g30f7d84ce1d_0_388:notes"/>
+          <p:cNvPr id="239" name="Google Shape;239;g341727d1ac5_0_0:notes"/>
           <p:cNvSpPr txBox="1">
             <a:spLocks noGrp="1"/>
           </p:cNvSpPr>
@@ -787,7 +787,7 @@
   <p:cSld>
     <p:spTree>
       <p:nvGrpSpPr>
-        <p:cNvPr id="1" name="Shape 237"/>
+        <p:cNvPr id="1" name="Shape 167"/>
         <p:cNvGrpSpPr/>
         <p:nvPr/>
       </p:nvGrpSpPr>
@@ -801,7 +801,7 @@
       </p:grpSpPr>
       <p:sp>
         <p:nvSpPr>
-          <p:cNvPr id="238" name="Google Shape;238;g341727d1ac5_0_0:notes"/>
+          <p:cNvPr id="168" name="Google Shape;168;g30f7d84ce1d_0_256:notes"/>
           <p:cNvSpPr>
             <a:spLocks noGrp="1" noRot="1" noChangeAspect="1"/>
           </p:cNvSpPr>
@@ -842,7 +842,7 @@
       </p:sp>
       <p:sp>
         <p:nvSpPr>
-          <p:cNvPr id="239" name="Google Shape;239;g341727d1ac5_0_0:notes"/>
+          <p:cNvPr id="169" name="Google Shape;169;g30f7d84ce1d_0_256:notes"/>
           <p:cNvSpPr txBox="1">
             <a:spLocks noGrp="1"/>
           </p:cNvSpPr>
@@ -1099,7 +1099,7 @@
   <p:cSld>
     <p:spTree>
       <p:nvGrpSpPr>
-        <p:cNvPr id="1" name="Shape 167"/>
+        <p:cNvPr id="1" name="Shape 181"/>
         <p:cNvGrpSpPr/>
         <p:nvPr/>
       </p:nvGrpSpPr>
@@ -1113,7 +1113,7 @@
       </p:grpSpPr>
       <p:sp>
         <p:nvSpPr>
-          <p:cNvPr id="168" name="Google Shape;168;g30f7d84ce1d_0_256:notes"/>
+          <p:cNvPr id="182" name="Google Shape;182;gf98075b259_0_20:notes"/>
           <p:cNvSpPr>
             <a:spLocks noGrp="1" noRot="1" noChangeAspect="1"/>
           </p:cNvSpPr>
@@ -1154,7 +1154,7 @@
       </p:sp>
       <p:sp>
         <p:nvSpPr>
-          <p:cNvPr id="169" name="Google Shape;169;g30f7d84ce1d_0_256:notes"/>
+          <p:cNvPr id="183" name="Google Shape;183;gf98075b259_0_20:notes"/>
           <p:cNvSpPr txBox="1">
             <a:spLocks noGrp="1"/>
           </p:cNvSpPr>
@@ -1203,7 +1203,7 @@
   <p:cSld>
     <p:spTree>
       <p:nvGrpSpPr>
-        <p:cNvPr id="1" name="Shape 181"/>
+        <p:cNvPr id="1" name="Shape 191"/>
         <p:cNvGrpSpPr/>
         <p:nvPr/>
       </p:nvGrpSpPr>
@@ -1217,7 +1217,7 @@
       </p:grpSpPr>
       <p:sp>
         <p:nvSpPr>
-          <p:cNvPr id="182" name="Google Shape;182;gf98075b259_0_20:notes"/>
+          <p:cNvPr id="192" name="Google Shape;192;gf98075b259_0_38:notes"/>
           <p:cNvSpPr>
             <a:spLocks noGrp="1" noRot="1" noChangeAspect="1"/>
           </p:cNvSpPr>
@@ -1258,7 +1258,7 @@
       </p:sp>
       <p:sp>
         <p:nvSpPr>
-          <p:cNvPr id="183" name="Google Shape;183;gf98075b259_0_20:notes"/>
+          <p:cNvPr id="193" name="Google Shape;193;gf98075b259_0_38:notes"/>
           <p:cNvSpPr txBox="1">
             <a:spLocks noGrp="1"/>
           </p:cNvSpPr>
@@ -1307,7 +1307,7 @@
   <p:cSld>
     <p:spTree>
       <p:nvGrpSpPr>
-        <p:cNvPr id="1" name="Shape 191"/>
+        <p:cNvPr id="1" name="Shape 503"/>
         <p:cNvGrpSpPr/>
         <p:nvPr/>
       </p:nvGrpSpPr>
@@ -1321,7 +1321,7 @@
       </p:grpSpPr>
       <p:sp>
         <p:nvSpPr>
-          <p:cNvPr id="192" name="Google Shape;192;gf98075b259_0_38:notes"/>
+          <p:cNvPr id="504" name="Google Shape;504;g33ce85d903d_0_641:notes"/>
           <p:cNvSpPr>
             <a:spLocks noGrp="1" noRot="1" noChangeAspect="1"/>
           </p:cNvSpPr>
@@ -1362,7 +1362,7 @@
       </p:sp>
       <p:sp>
         <p:nvSpPr>
-          <p:cNvPr id="193" name="Google Shape;193;gf98075b259_0_38:notes"/>
+          <p:cNvPr id="505" name="Google Shape;505;g33ce85d903d_0_641:notes"/>
           <p:cNvSpPr txBox="1">
             <a:spLocks noGrp="1"/>
           </p:cNvSpPr>
@@ -1411,7 +1411,7 @@
   <p:cSld>
     <p:spTree>
       <p:nvGrpSpPr>
-        <p:cNvPr id="1" name="Shape 503"/>
+        <p:cNvPr id="1" name="Shape 585"/>
         <p:cNvGrpSpPr/>
         <p:nvPr/>
       </p:nvGrpSpPr>
@@ -1425,7 +1425,7 @@
       </p:grpSpPr>
       <p:sp>
         <p:nvSpPr>
-          <p:cNvPr id="504" name="Google Shape;504;g33ce85d903d_0_641:notes"/>
+          <p:cNvPr id="586" name="Google Shape;586;g33ce85d903d_0_717:notes"/>
           <p:cNvSpPr>
             <a:spLocks noGrp="1" noRot="1" noChangeAspect="1"/>
           </p:cNvSpPr>
@@ -1466,7 +1466,7 @@
       </p:sp>
       <p:sp>
         <p:nvSpPr>
-          <p:cNvPr id="505" name="Google Shape;505;g33ce85d903d_0_641:notes"/>
+          <p:cNvPr id="587" name="Google Shape;587;g33ce85d903d_0_717:notes"/>
           <p:cNvSpPr txBox="1">
             <a:spLocks noGrp="1"/>
           </p:cNvSpPr>
@@ -1515,7 +1515,7 @@
   <p:cSld>
     <p:spTree>
       <p:nvGrpSpPr>
-        <p:cNvPr id="1" name="Shape 585"/>
+        <p:cNvPr id="1" name="Shape 406"/>
         <p:cNvGrpSpPr/>
         <p:nvPr/>
       </p:nvGrpSpPr>
@@ -1529,7 +1529,7 @@
       </p:grpSpPr>
       <p:sp>
         <p:nvSpPr>
-          <p:cNvPr id="586" name="Google Shape;586;g33ce85d903d_0_717:notes"/>
+          <p:cNvPr id="407" name="Google Shape;407;g33ce85d903d_0_552:notes"/>
           <p:cNvSpPr>
             <a:spLocks noGrp="1" noRot="1" noChangeAspect="1"/>
           </p:cNvSpPr>
@@ -1570,7 +1570,7 @@
       </p:sp>
       <p:sp>
         <p:nvSpPr>
-          <p:cNvPr id="587" name="Google Shape;587;g33ce85d903d_0_717:notes"/>
+          <p:cNvPr id="408" name="Google Shape;408;g33ce85d903d_0_552:notes"/>
           <p:cNvSpPr txBox="1">
             <a:spLocks noGrp="1"/>
           </p:cNvSpPr>
@@ -1619,7 +1619,7 @@
   <p:cSld>
     <p:spTree>
       <p:nvGrpSpPr>
-        <p:cNvPr id="1" name="Shape 406"/>
+        <p:cNvPr id="1" name="Shape 217"/>
         <p:cNvGrpSpPr/>
         <p:nvPr/>
       </p:nvGrpSpPr>
@@ -1633,7 +1633,7 @@
       </p:grpSpPr>
       <p:sp>
         <p:nvSpPr>
-          <p:cNvPr id="407" name="Google Shape;407;g33ce85d903d_0_552:notes"/>
+          <p:cNvPr id="218" name="Google Shape;218;g3104438fcaf_0_1:notes"/>
           <p:cNvSpPr>
             <a:spLocks noGrp="1" noRot="1" noChangeAspect="1"/>
           </p:cNvSpPr>
@@ -1674,7 +1674,7 @@
       </p:sp>
       <p:sp>
         <p:nvSpPr>
-          <p:cNvPr id="408" name="Google Shape;408;g33ce85d903d_0_552:notes"/>
+          <p:cNvPr id="219" name="Google Shape;219;g3104438fcaf_0_1:notes"/>
           <p:cNvSpPr txBox="1">
             <a:spLocks noGrp="1"/>
           </p:cNvSpPr>
@@ -7139,315 +7139,6 @@
   <p:cSld>
     <p:spTree>
       <p:nvGrpSpPr>
-        <p:cNvPr id="1" name="Shape 220"/>
-        <p:cNvGrpSpPr/>
-        <p:nvPr/>
-      </p:nvGrpSpPr>
-      <p:grpSpPr>
-        <a:xfrm>
-          <a:off x="0" y="0"/>
-          <a:ext cx="0" cy="0"/>
-          <a:chOff x="0" y="0"/>
-          <a:chExt cx="0" cy="0"/>
-        </a:xfrm>
-      </p:grpSpPr>
-      <p:pic>
-        <p:nvPicPr>
-          <p:cNvPr id="221" name="Google Shape;221;p43"/>
-          <p:cNvPicPr preferRelativeResize="0"/>
-          <p:nvPr/>
-        </p:nvPicPr>
-        <p:blipFill>
-          <a:blip r:embed="rId3">
-            <a:alphaModFix/>
-          </a:blip>
-          <a:stretch>
-            <a:fillRect/>
-          </a:stretch>
-        </p:blipFill>
-        <p:spPr>
-          <a:xfrm>
-            <a:off x="0" y="0"/>
-            <a:ext cx="12288027" cy="6858000"/>
-          </a:xfrm>
-          <a:prstGeom prst="rect">
-            <a:avLst/>
-          </a:prstGeom>
-          <a:noFill/>
-          <a:ln>
-            <a:noFill/>
-          </a:ln>
-        </p:spPr>
-      </p:pic>
-      <p:sp>
-        <p:nvSpPr>
-          <p:cNvPr id="222" name="Google Shape;222;p43"/>
-          <p:cNvSpPr txBox="1"/>
-          <p:nvPr/>
-        </p:nvSpPr>
-        <p:spPr>
-          <a:xfrm>
-            <a:off x="516067" y="2459501"/>
-            <a:ext cx="10112400" cy="984781"/>
-          </a:xfrm>
-          <a:prstGeom prst="rect">
-            <a:avLst/>
-          </a:prstGeom>
-          <a:noFill/>
-          <a:ln>
-            <a:noFill/>
-          </a:ln>
-        </p:spPr>
-        <p:txBody>
-          <a:bodyPr spcFirstLastPara="1" wrap="square" lIns="121900" tIns="121900" rIns="121900" bIns="121900" anchor="t" anchorCtr="0">
-            <a:spAutoFit/>
-          </a:bodyPr>
-          <a:lstStyle/>
-          <a:p>
-            <a:pPr>
-              <a:lnSpc>
-                <a:spcPct val="90000"/>
-              </a:lnSpc>
-            </a:pPr>
-            <a:r>
-              <a:rPr lang="ru" sz="5333" b="1">
-                <a:solidFill>
-                  <a:schemeClr val="lt1"/>
-                </a:solidFill>
-                <a:latin typeface="Roboto"/>
-                <a:ea typeface="Roboto"/>
-                <a:cs typeface="Roboto"/>
-                <a:sym typeface="Roboto"/>
-              </a:rPr>
-              <a:t>Вопросы и рекомендации</a:t>
-            </a:r>
-            <a:endParaRPr sz="6000" b="1">
-              <a:solidFill>
-                <a:schemeClr val="lt1"/>
-              </a:solidFill>
-              <a:latin typeface="Roboto"/>
-              <a:ea typeface="Roboto"/>
-              <a:cs typeface="Roboto"/>
-              <a:sym typeface="Roboto"/>
-            </a:endParaRPr>
-          </a:p>
-        </p:txBody>
-      </p:sp>
-      <p:sp>
-        <p:nvSpPr>
-          <p:cNvPr id="223" name="Google Shape;223;p43"/>
-          <p:cNvSpPr txBox="1"/>
-          <p:nvPr/>
-        </p:nvSpPr>
-        <p:spPr>
-          <a:xfrm>
-            <a:off x="1619595" y="4082634"/>
-            <a:ext cx="2570000" cy="553957"/>
-          </a:xfrm>
-          <a:prstGeom prst="rect">
-            <a:avLst/>
-          </a:prstGeom>
-          <a:noFill/>
-          <a:ln>
-            <a:noFill/>
-          </a:ln>
-        </p:spPr>
-        <p:txBody>
-          <a:bodyPr spcFirstLastPara="1" wrap="square" lIns="121900" tIns="121900" rIns="121900" bIns="121900" anchor="t" anchorCtr="0">
-            <a:spAutoFit/>
-          </a:bodyPr>
-          <a:lstStyle/>
-          <a:p>
-            <a:r>
-              <a:rPr lang="ru" sz="2000">
-                <a:solidFill>
-                  <a:srgbClr val="FFFFFF"/>
-                </a:solidFill>
-                <a:latin typeface="Roboto"/>
-                <a:ea typeface="Roboto"/>
-                <a:cs typeface="Roboto"/>
-                <a:sym typeface="Roboto"/>
-              </a:rPr>
-              <a:t>если есть вопросы</a:t>
-            </a:r>
-            <a:endParaRPr sz="2000">
-              <a:solidFill>
-                <a:srgbClr val="FFFFFF"/>
-              </a:solidFill>
-              <a:latin typeface="Roboto"/>
-              <a:ea typeface="Roboto"/>
-              <a:cs typeface="Roboto"/>
-              <a:sym typeface="Roboto"/>
-            </a:endParaRPr>
-          </a:p>
-        </p:txBody>
-      </p:sp>
-      <p:sp>
-        <p:nvSpPr>
-          <p:cNvPr id="224" name="Google Shape;224;p43"/>
-          <p:cNvSpPr txBox="1"/>
-          <p:nvPr/>
-        </p:nvSpPr>
-        <p:spPr>
-          <a:xfrm>
-            <a:off x="6579995" y="4082634"/>
-            <a:ext cx="2861200" cy="553957"/>
-          </a:xfrm>
-          <a:prstGeom prst="rect">
-            <a:avLst/>
-          </a:prstGeom>
-          <a:noFill/>
-          <a:ln>
-            <a:noFill/>
-          </a:ln>
-        </p:spPr>
-        <p:txBody>
-          <a:bodyPr spcFirstLastPara="1" wrap="square" lIns="121900" tIns="121900" rIns="121900" bIns="121900" anchor="t" anchorCtr="0">
-            <a:spAutoFit/>
-          </a:bodyPr>
-          <a:lstStyle/>
-          <a:p>
-            <a:pPr>
-              <a:buClr>
-                <a:srgbClr val="000000"/>
-              </a:buClr>
-              <a:buSzPts val="1100"/>
-            </a:pPr>
-            <a:r>
-              <a:rPr lang="ru" sz="2000">
-                <a:solidFill>
-                  <a:srgbClr val="FFFFFF"/>
-                </a:solidFill>
-                <a:latin typeface="Roboto"/>
-                <a:ea typeface="Roboto"/>
-                <a:cs typeface="Roboto"/>
-                <a:sym typeface="Roboto"/>
-              </a:rPr>
-              <a:t>если вопросов нет</a:t>
-            </a:r>
-            <a:endParaRPr sz="2000">
-              <a:solidFill>
-                <a:srgbClr val="FFFFFF"/>
-              </a:solidFill>
-              <a:latin typeface="Roboto"/>
-              <a:ea typeface="Roboto"/>
-              <a:cs typeface="Roboto"/>
-              <a:sym typeface="Roboto"/>
-            </a:endParaRPr>
-          </a:p>
-        </p:txBody>
-      </p:sp>
-      <p:sp>
-        <p:nvSpPr>
-          <p:cNvPr id="225" name="Google Shape;225;p43"/>
-          <p:cNvSpPr txBox="1"/>
-          <p:nvPr/>
-        </p:nvSpPr>
-        <p:spPr>
-          <a:xfrm>
-            <a:off x="964000" y="3795234"/>
-            <a:ext cx="655600" cy="1128410"/>
-          </a:xfrm>
-          <a:prstGeom prst="rect">
-            <a:avLst/>
-          </a:prstGeom>
-          <a:noFill/>
-          <a:ln>
-            <a:noFill/>
-          </a:ln>
-        </p:spPr>
-        <p:txBody>
-          <a:bodyPr spcFirstLastPara="1" wrap="square" lIns="121900" tIns="121900" rIns="121900" bIns="121900" anchor="t" anchorCtr="0">
-            <a:spAutoFit/>
-          </a:bodyPr>
-          <a:lstStyle/>
-          <a:p>
-            <a:r>
-              <a:rPr lang="ru" sz="5733">
-                <a:solidFill>
-                  <a:schemeClr val="lt1"/>
-                </a:solidFill>
-                <a:latin typeface="Roboto"/>
-                <a:ea typeface="Roboto"/>
-                <a:cs typeface="Roboto"/>
-                <a:sym typeface="Roboto"/>
-              </a:rPr>
-              <a:t>+</a:t>
-            </a:r>
-            <a:endParaRPr sz="5733">
-              <a:solidFill>
-                <a:schemeClr val="lt1"/>
-              </a:solidFill>
-              <a:latin typeface="Roboto"/>
-              <a:ea typeface="Roboto"/>
-              <a:cs typeface="Roboto"/>
-              <a:sym typeface="Roboto"/>
-            </a:endParaRPr>
-          </a:p>
-        </p:txBody>
-      </p:sp>
-      <p:sp>
-        <p:nvSpPr>
-          <p:cNvPr id="226" name="Google Shape;226;p43"/>
-          <p:cNvSpPr txBox="1"/>
-          <p:nvPr/>
-        </p:nvSpPr>
-        <p:spPr>
-          <a:xfrm>
-            <a:off x="5924400" y="3795234"/>
-            <a:ext cx="655600" cy="1128410"/>
-          </a:xfrm>
-          <a:prstGeom prst="rect">
-            <a:avLst/>
-          </a:prstGeom>
-          <a:noFill/>
-          <a:ln>
-            <a:noFill/>
-          </a:ln>
-        </p:spPr>
-        <p:txBody>
-          <a:bodyPr spcFirstLastPara="1" wrap="square" lIns="121900" tIns="121900" rIns="121900" bIns="121900" anchor="t" anchorCtr="0">
-            <a:spAutoFit/>
-          </a:bodyPr>
-          <a:lstStyle/>
-          <a:p>
-            <a:r>
-              <a:rPr lang="ru" sz="5733">
-                <a:solidFill>
-                  <a:schemeClr val="lt1"/>
-                </a:solidFill>
-                <a:latin typeface="Roboto"/>
-                <a:ea typeface="Roboto"/>
-                <a:cs typeface="Roboto"/>
-                <a:sym typeface="Roboto"/>
-              </a:rPr>
-              <a:t>– </a:t>
-            </a:r>
-            <a:endParaRPr sz="5733">
-              <a:solidFill>
-                <a:schemeClr val="lt1"/>
-              </a:solidFill>
-              <a:latin typeface="Roboto"/>
-              <a:ea typeface="Roboto"/>
-              <a:cs typeface="Roboto"/>
-              <a:sym typeface="Roboto"/>
-            </a:endParaRPr>
-          </a:p>
-        </p:txBody>
-      </p:sp>
-    </p:spTree>
-  </p:cSld>
-  <p:clrMapOvr>
-    <a:masterClrMapping/>
-  </p:clrMapOvr>
-</p:sld>
-</file>
-
-<file path=ppt/slides/slide11.xml><?xml version="1.0" encoding="utf-8"?>
-<p:sld xmlns:a="http://schemas.openxmlformats.org/drawingml/2006/main" xmlns:r="http://schemas.openxmlformats.org/officeDocument/2006/relationships" xmlns:p="http://schemas.openxmlformats.org/presentationml/2006/main">
-  <p:cSld>
-    <p:spTree>
-      <p:nvGrpSpPr>
         <p:cNvPr id="1" name="Shape 233"/>
         <p:cNvGrpSpPr/>
         <p:nvPr/>
@@ -7570,7 +7261,7 @@
 </p:sld>
 </file>
 
-<file path=ppt/slides/slide12.xml><?xml version="1.0" encoding="utf-8"?>
+<file path=ppt/slides/slide11.xml><?xml version="1.0" encoding="utf-8"?>
 <p:sld xmlns:a="http://schemas.openxmlformats.org/drawingml/2006/main" xmlns:r="http://schemas.openxmlformats.org/officeDocument/2006/relationships" xmlns:p="http://schemas.openxmlformats.org/presentationml/2006/main">
   <p:cSld>
     <p:spTree>
@@ -7615,6 +7306,490 @@
           </a:ln>
         </p:spPr>
       </p:pic>
+    </p:spTree>
+  </p:cSld>
+  <p:clrMapOvr>
+    <a:masterClrMapping/>
+  </p:clrMapOvr>
+</p:sld>
+</file>
+
+<file path=ppt/slides/slide12.xml><?xml version="1.0" encoding="utf-8"?>
+<p:sld xmlns:a="http://schemas.openxmlformats.org/drawingml/2006/main" xmlns:r="http://schemas.openxmlformats.org/officeDocument/2006/relationships" xmlns:p="http://schemas.openxmlformats.org/presentationml/2006/main">
+  <p:cSld>
+    <p:spTree>
+      <p:nvGrpSpPr>
+        <p:cNvPr id="1" name="Shape 170"/>
+        <p:cNvGrpSpPr/>
+        <p:nvPr/>
+      </p:nvGrpSpPr>
+      <p:grpSpPr>
+        <a:xfrm>
+          <a:off x="0" y="0"/>
+          <a:ext cx="0" cy="0"/>
+          <a:chOff x="0" y="0"/>
+          <a:chExt cx="0" cy="0"/>
+        </a:xfrm>
+      </p:grpSpPr>
+      <p:sp>
+        <p:nvSpPr>
+          <p:cNvPr id="171" name="Google Shape;171;p38"/>
+          <p:cNvSpPr txBox="1">
+            <a:spLocks noGrp="1"/>
+          </p:cNvSpPr>
+          <p:nvPr>
+            <p:ph type="title"/>
+          </p:nvPr>
+        </p:nvSpPr>
+        <p:spPr>
+          <a:xfrm>
+            <a:off x="718067" y="465299"/>
+            <a:ext cx="11360800" cy="855578"/>
+          </a:xfrm>
+          <a:prstGeom prst="rect">
+            <a:avLst/>
+          </a:prstGeom>
+        </p:spPr>
+        <p:txBody>
+          <a:bodyPr spcFirstLastPara="1" vert="horz" wrap="square" lIns="121900" tIns="121900" rIns="121900" bIns="121900" rtlCol="0" anchor="t" anchorCtr="0">
+            <a:spAutoFit/>
+          </a:bodyPr>
+          <a:lstStyle/>
+          <a:p>
+            <a:r>
+              <a:rPr lang="ru"/>
+              <a:t>План защиты</a:t>
+            </a:r>
+            <a:endParaRPr/>
+          </a:p>
+        </p:txBody>
+      </p:sp>
+      <p:sp>
+        <p:nvSpPr>
+          <p:cNvPr id="172" name="Google Shape;172;p38"/>
+          <p:cNvSpPr/>
+          <p:nvPr/>
+        </p:nvSpPr>
+        <p:spPr>
+          <a:xfrm>
+            <a:off x="1517500" y="1988403"/>
+            <a:ext cx="4513200" cy="501600"/>
+          </a:xfrm>
+          <a:prstGeom prst="roundRect">
+            <a:avLst>
+              <a:gd name="adj" fmla="val 16667"/>
+            </a:avLst>
+          </a:prstGeom>
+          <a:solidFill>
+            <a:schemeClr val="lt2"/>
+          </a:solidFill>
+          <a:ln>
+            <a:noFill/>
+          </a:ln>
+          <a:effectLst>
+            <a:outerShdw blurRad="57150" dist="19050" dir="5400000" algn="bl" rotWithShape="0">
+              <a:srgbClr val="000000">
+                <a:alpha val="50000"/>
+              </a:srgbClr>
+            </a:outerShdw>
+          </a:effectLst>
+        </p:spPr>
+        <p:txBody>
+          <a:bodyPr spcFirstLastPara="1" wrap="square" lIns="216000" tIns="121900" rIns="216000" bIns="121900" anchor="ctr" anchorCtr="0">
+            <a:noAutofit/>
+          </a:bodyPr>
+          <a:lstStyle/>
+          <a:p>
+            <a:r>
+              <a:rPr lang="ru" sz="2400" dirty="0">
+                <a:solidFill>
+                  <a:schemeClr val="dk1"/>
+                </a:solidFill>
+                <a:latin typeface="Roboto"/>
+                <a:ea typeface="Roboto"/>
+                <a:cs typeface="Roboto"/>
+                <a:sym typeface="Roboto"/>
+              </a:rPr>
+              <a:t>Цель и задачи проекта</a:t>
+            </a:r>
+            <a:endParaRPr sz="2400" dirty="0">
+              <a:solidFill>
+                <a:schemeClr val="dk1"/>
+              </a:solidFill>
+              <a:latin typeface="Roboto"/>
+              <a:ea typeface="Roboto"/>
+              <a:cs typeface="Roboto"/>
+              <a:sym typeface="Roboto"/>
+            </a:endParaRPr>
+          </a:p>
+        </p:txBody>
+      </p:sp>
+      <p:sp>
+        <p:nvSpPr>
+          <p:cNvPr id="173" name="Google Shape;173;p38"/>
+          <p:cNvSpPr/>
+          <p:nvPr/>
+        </p:nvSpPr>
+        <p:spPr>
+          <a:xfrm>
+            <a:off x="1517500" y="2761989"/>
+            <a:ext cx="5630644" cy="501600"/>
+          </a:xfrm>
+          <a:prstGeom prst="roundRect">
+            <a:avLst>
+              <a:gd name="adj" fmla="val 16667"/>
+            </a:avLst>
+          </a:prstGeom>
+          <a:solidFill>
+            <a:schemeClr val="lt2"/>
+          </a:solidFill>
+          <a:ln>
+            <a:noFill/>
+          </a:ln>
+          <a:effectLst>
+            <a:outerShdw blurRad="57150" dist="19050" dir="5400000" algn="bl" rotWithShape="0">
+              <a:srgbClr val="000000">
+                <a:alpha val="50000"/>
+              </a:srgbClr>
+            </a:outerShdw>
+          </a:effectLst>
+        </p:spPr>
+        <p:txBody>
+          <a:bodyPr spcFirstLastPara="1" wrap="square" lIns="216000" tIns="121900" rIns="216000" bIns="121900" anchor="ctr" anchorCtr="0">
+            <a:noAutofit/>
+          </a:bodyPr>
+          <a:lstStyle/>
+          <a:p>
+            <a:r>
+              <a:rPr lang="ru" sz="2400" dirty="0">
+                <a:solidFill>
+                  <a:schemeClr val="dk1"/>
+                </a:solidFill>
+                <a:latin typeface="Roboto"/>
+                <a:ea typeface="Roboto"/>
+                <a:cs typeface="Roboto"/>
+                <a:sym typeface="Roboto"/>
+              </a:rPr>
+              <a:t>Какие технологии использовались</a:t>
+            </a:r>
+            <a:endParaRPr sz="2400" dirty="0">
+              <a:solidFill>
+                <a:schemeClr val="dk1"/>
+              </a:solidFill>
+              <a:latin typeface="Roboto"/>
+              <a:ea typeface="Roboto"/>
+              <a:cs typeface="Roboto"/>
+              <a:sym typeface="Roboto"/>
+            </a:endParaRPr>
+          </a:p>
+        </p:txBody>
+      </p:sp>
+      <p:sp>
+        <p:nvSpPr>
+          <p:cNvPr id="174" name="Google Shape;174;p38"/>
+          <p:cNvSpPr/>
+          <p:nvPr/>
+        </p:nvSpPr>
+        <p:spPr>
+          <a:xfrm>
+            <a:off x="1517500" y="3535568"/>
+            <a:ext cx="4513200" cy="501600"/>
+          </a:xfrm>
+          <a:prstGeom prst="roundRect">
+            <a:avLst>
+              <a:gd name="adj" fmla="val 16667"/>
+            </a:avLst>
+          </a:prstGeom>
+          <a:solidFill>
+            <a:schemeClr val="lt2"/>
+          </a:solidFill>
+          <a:ln>
+            <a:noFill/>
+          </a:ln>
+          <a:effectLst>
+            <a:outerShdw blurRad="57150" dist="19050" dir="5400000" algn="bl" rotWithShape="0">
+              <a:srgbClr val="000000">
+                <a:alpha val="50000"/>
+              </a:srgbClr>
+            </a:outerShdw>
+          </a:effectLst>
+        </p:spPr>
+        <p:txBody>
+          <a:bodyPr spcFirstLastPara="1" wrap="square" lIns="216000" tIns="121900" rIns="216000" bIns="121900" anchor="ctr" anchorCtr="0">
+            <a:noAutofit/>
+          </a:bodyPr>
+          <a:lstStyle/>
+          <a:p>
+            <a:r>
+              <a:rPr lang="ru" sz="2400">
+                <a:solidFill>
+                  <a:schemeClr val="dk1"/>
+                </a:solidFill>
+                <a:latin typeface="Roboto"/>
+                <a:ea typeface="Roboto"/>
+                <a:cs typeface="Roboto"/>
+                <a:sym typeface="Roboto"/>
+              </a:rPr>
+              <a:t>Что получилось</a:t>
+            </a:r>
+            <a:endParaRPr sz="2400">
+              <a:solidFill>
+                <a:schemeClr val="dk1"/>
+              </a:solidFill>
+              <a:latin typeface="Roboto"/>
+              <a:ea typeface="Roboto"/>
+              <a:cs typeface="Roboto"/>
+              <a:sym typeface="Roboto"/>
+            </a:endParaRPr>
+          </a:p>
+        </p:txBody>
+      </p:sp>
+      <p:sp>
+        <p:nvSpPr>
+          <p:cNvPr id="175" name="Google Shape;175;p38"/>
+          <p:cNvSpPr/>
+          <p:nvPr/>
+        </p:nvSpPr>
+        <p:spPr>
+          <a:xfrm>
+            <a:off x="1517500" y="4328300"/>
+            <a:ext cx="4513200" cy="501600"/>
+          </a:xfrm>
+          <a:prstGeom prst="roundRect">
+            <a:avLst>
+              <a:gd name="adj" fmla="val 16667"/>
+            </a:avLst>
+          </a:prstGeom>
+          <a:solidFill>
+            <a:schemeClr val="lt2"/>
+          </a:solidFill>
+          <a:ln>
+            <a:noFill/>
+          </a:ln>
+          <a:effectLst>
+            <a:outerShdw blurRad="57150" dist="19050" dir="5400000" algn="bl" rotWithShape="0">
+              <a:srgbClr val="000000">
+                <a:alpha val="50000"/>
+              </a:srgbClr>
+            </a:outerShdw>
+          </a:effectLst>
+        </p:spPr>
+        <p:txBody>
+          <a:bodyPr spcFirstLastPara="1" wrap="square" lIns="216000" tIns="121900" rIns="216000" bIns="121900" anchor="ctr" anchorCtr="0">
+            <a:noAutofit/>
+          </a:bodyPr>
+          <a:lstStyle/>
+          <a:p>
+            <a:r>
+              <a:rPr lang="ru" sz="2400">
+                <a:solidFill>
+                  <a:schemeClr val="dk1"/>
+                </a:solidFill>
+                <a:latin typeface="Roboto"/>
+                <a:ea typeface="Roboto"/>
+                <a:cs typeface="Roboto"/>
+                <a:sym typeface="Roboto"/>
+              </a:rPr>
+              <a:t>Выводы</a:t>
+            </a:r>
+            <a:endParaRPr sz="2400">
+              <a:solidFill>
+                <a:schemeClr val="dk1"/>
+              </a:solidFill>
+              <a:latin typeface="Roboto"/>
+              <a:ea typeface="Roboto"/>
+              <a:cs typeface="Roboto"/>
+              <a:sym typeface="Roboto"/>
+            </a:endParaRPr>
+          </a:p>
+        </p:txBody>
+      </p:sp>
+      <p:cxnSp>
+        <p:nvCxnSpPr>
+          <p:cNvPr id="176" name="Google Shape;176;p38"/>
+          <p:cNvCxnSpPr>
+            <a:cxnSpLocks/>
+            <a:stCxn id="172" idx="1"/>
+            <a:endCxn id="173" idx="1"/>
+          </p:cNvCxnSpPr>
+          <p:nvPr/>
+        </p:nvCxnSpPr>
+        <p:spPr>
+          <a:xfrm rot="10800000" flipV="1">
+            <a:off x="1517500" y="2239203"/>
+            <a:ext cx="12700" cy="773586"/>
+          </a:xfrm>
+          <a:prstGeom prst="bentConnector3">
+            <a:avLst>
+              <a:gd name="adj1" fmla="val 1800000"/>
+            </a:avLst>
+          </a:prstGeom>
+          <a:noFill/>
+          <a:ln w="9525" cap="flat" cmpd="sng">
+            <a:solidFill>
+              <a:srgbClr val="3F299A"/>
+            </a:solidFill>
+            <a:prstDash val="dash"/>
+            <a:round/>
+            <a:headEnd type="none" w="med" len="med"/>
+            <a:tailEnd type="none" w="med" len="med"/>
+          </a:ln>
+        </p:spPr>
+      </p:cxnSp>
+      <p:cxnSp>
+        <p:nvCxnSpPr>
+          <p:cNvPr id="177" name="Google Shape;177;p38"/>
+          <p:cNvCxnSpPr>
+            <a:cxnSpLocks/>
+            <a:stCxn id="173" idx="1"/>
+            <a:endCxn id="174" idx="1"/>
+          </p:cNvCxnSpPr>
+          <p:nvPr/>
+        </p:nvCxnSpPr>
+        <p:spPr>
+          <a:xfrm rot="10800000" flipV="1">
+            <a:off x="1517500" y="3012788"/>
+            <a:ext cx="12700" cy="773579"/>
+          </a:xfrm>
+          <a:prstGeom prst="bentConnector3">
+            <a:avLst>
+              <a:gd name="adj1" fmla="val 1800000"/>
+            </a:avLst>
+          </a:prstGeom>
+          <a:noFill/>
+          <a:ln w="9525" cap="flat" cmpd="sng">
+            <a:solidFill>
+              <a:srgbClr val="3F299A"/>
+            </a:solidFill>
+            <a:prstDash val="dash"/>
+            <a:round/>
+            <a:headEnd type="none" w="med" len="med"/>
+            <a:tailEnd type="none" w="med" len="med"/>
+          </a:ln>
+        </p:spPr>
+      </p:cxnSp>
+      <p:cxnSp>
+        <p:nvCxnSpPr>
+          <p:cNvPr id="178" name="Google Shape;178;p38"/>
+          <p:cNvCxnSpPr>
+            <a:stCxn id="174" idx="1"/>
+            <a:endCxn id="175" idx="1"/>
+          </p:cNvCxnSpPr>
+          <p:nvPr/>
+        </p:nvCxnSpPr>
+        <p:spPr>
+          <a:xfrm>
+            <a:off x="1517500" y="3786368"/>
+            <a:ext cx="800" cy="792800"/>
+          </a:xfrm>
+          <a:prstGeom prst="bentConnector3">
+            <a:avLst>
+              <a:gd name="adj1" fmla="val -27812250"/>
+            </a:avLst>
+          </a:prstGeom>
+          <a:noFill/>
+          <a:ln w="9525" cap="flat" cmpd="sng">
+            <a:solidFill>
+              <a:srgbClr val="3F299A"/>
+            </a:solidFill>
+            <a:prstDash val="dash"/>
+            <a:round/>
+            <a:headEnd type="none" w="med" len="med"/>
+            <a:tailEnd type="none" w="med" len="med"/>
+          </a:ln>
+        </p:spPr>
+      </p:cxnSp>
+      <p:cxnSp>
+        <p:nvCxnSpPr>
+          <p:cNvPr id="179" name="Google Shape;179;p38"/>
+          <p:cNvCxnSpPr>
+            <a:stCxn id="175" idx="1"/>
+            <a:endCxn id="180" idx="1"/>
+          </p:cNvCxnSpPr>
+          <p:nvPr/>
+        </p:nvCxnSpPr>
+        <p:spPr>
+          <a:xfrm>
+            <a:off x="1517500" y="4579100"/>
+            <a:ext cx="800" cy="702400"/>
+          </a:xfrm>
+          <a:prstGeom prst="bentConnector3">
+            <a:avLst>
+              <a:gd name="adj1" fmla="val -29296500"/>
+            </a:avLst>
+          </a:prstGeom>
+          <a:noFill/>
+          <a:ln w="9525" cap="flat" cmpd="sng">
+            <a:solidFill>
+              <a:srgbClr val="3F299A"/>
+            </a:solidFill>
+            <a:prstDash val="dash"/>
+            <a:round/>
+            <a:headEnd type="none" w="med" len="med"/>
+            <a:tailEnd type="none" w="med" len="med"/>
+          </a:ln>
+        </p:spPr>
+      </p:cxnSp>
+      <p:sp>
+        <p:nvSpPr>
+          <p:cNvPr id="180" name="Google Shape;180;p38"/>
+          <p:cNvSpPr/>
+          <p:nvPr/>
+        </p:nvSpPr>
+        <p:spPr>
+          <a:xfrm>
+            <a:off x="1517516" y="5030500"/>
+            <a:ext cx="4513200" cy="501600"/>
+          </a:xfrm>
+          <a:prstGeom prst="roundRect">
+            <a:avLst>
+              <a:gd name="adj" fmla="val 16667"/>
+            </a:avLst>
+          </a:prstGeom>
+          <a:solidFill>
+            <a:schemeClr val="lt2"/>
+          </a:solidFill>
+          <a:ln>
+            <a:noFill/>
+          </a:ln>
+          <a:effectLst>
+            <a:outerShdw blurRad="57150" dist="19050" dir="5400000" algn="bl" rotWithShape="0">
+              <a:srgbClr val="000000">
+                <a:alpha val="50000"/>
+              </a:srgbClr>
+            </a:outerShdw>
+          </a:effectLst>
+        </p:spPr>
+        <p:txBody>
+          <a:bodyPr spcFirstLastPara="1" wrap="square" lIns="216000" tIns="121900" rIns="216000" bIns="121900" anchor="ctr" anchorCtr="0">
+            <a:noAutofit/>
+          </a:bodyPr>
+          <a:lstStyle/>
+          <a:p>
+            <a:r>
+              <a:rPr lang="ru" sz="2400">
+                <a:solidFill>
+                  <a:schemeClr val="dk1"/>
+                </a:solidFill>
+                <a:latin typeface="Roboto"/>
+                <a:ea typeface="Roboto"/>
+                <a:cs typeface="Roboto"/>
+                <a:sym typeface="Roboto"/>
+              </a:rPr>
+              <a:t>Вопросы и рекомендации</a:t>
+            </a:r>
+            <a:endParaRPr sz="2400">
+              <a:solidFill>
+                <a:schemeClr val="dk1"/>
+              </a:solidFill>
+              <a:latin typeface="Roboto"/>
+              <a:ea typeface="Roboto"/>
+              <a:cs typeface="Roboto"/>
+              <a:sym typeface="Roboto"/>
+            </a:endParaRPr>
+          </a:p>
+        </p:txBody>
+      </p:sp>
     </p:spTree>
   </p:cSld>
   <p:clrMapOvr>
@@ -7822,31 +7997,7 @@
             </a:r>
             <a:r>
               <a:rPr lang="ru-RU" sz="4000" dirty="0"/>
-              <a:t> - система рекомендаций фильмов и сериалов на основе данных </a:t>
-            </a:r>
-            <a:r>
-              <a:rPr lang="ru-RU" sz="4000" dirty="0" err="1"/>
-              <a:t>Rotten</a:t>
-            </a:r>
-            <a:r>
-              <a:rPr lang="ru-RU" sz="4000" dirty="0"/>
-              <a:t> </a:t>
-            </a:r>
-            <a:r>
-              <a:rPr lang="ru-RU" sz="4000" dirty="0" err="1"/>
-              <a:t>Tomatoes</a:t>
-            </a:r>
-            <a:r>
-              <a:rPr lang="ru-RU" sz="4000" dirty="0"/>
-              <a:t> и </a:t>
-            </a:r>
-            <a:r>
-              <a:rPr lang="en-US" sz="4000" dirty="0"/>
-              <a:t>I</a:t>
-            </a:r>
-            <a:r>
-              <a:rPr lang="ru-RU" sz="4000" dirty="0" err="1"/>
-              <a:t>MDb</a:t>
+              <a:t> - система рекомендаций фильмов и сериалов</a:t>
             </a:r>
             <a:endParaRPr sz="4000" dirty="0"/>
           </a:p>
@@ -7987,488 +8138,6 @@
 </file>
 
 <file path=ppt/slides/slide4.xml><?xml version="1.0" encoding="utf-8"?>
-<p:sld xmlns:a="http://schemas.openxmlformats.org/drawingml/2006/main" xmlns:r="http://schemas.openxmlformats.org/officeDocument/2006/relationships" xmlns:p="http://schemas.openxmlformats.org/presentationml/2006/main">
-  <p:cSld>
-    <p:spTree>
-      <p:nvGrpSpPr>
-        <p:cNvPr id="1" name="Shape 170"/>
-        <p:cNvGrpSpPr/>
-        <p:nvPr/>
-      </p:nvGrpSpPr>
-      <p:grpSpPr>
-        <a:xfrm>
-          <a:off x="0" y="0"/>
-          <a:ext cx="0" cy="0"/>
-          <a:chOff x="0" y="0"/>
-          <a:chExt cx="0" cy="0"/>
-        </a:xfrm>
-      </p:grpSpPr>
-      <p:sp>
-        <p:nvSpPr>
-          <p:cNvPr id="171" name="Google Shape;171;p38"/>
-          <p:cNvSpPr txBox="1">
-            <a:spLocks noGrp="1"/>
-          </p:cNvSpPr>
-          <p:nvPr>
-            <p:ph type="title"/>
-          </p:nvPr>
-        </p:nvSpPr>
-        <p:spPr>
-          <a:xfrm>
-            <a:off x="718067" y="465299"/>
-            <a:ext cx="11360800" cy="855578"/>
-          </a:xfrm>
-          <a:prstGeom prst="rect">
-            <a:avLst/>
-          </a:prstGeom>
-        </p:spPr>
-        <p:txBody>
-          <a:bodyPr spcFirstLastPara="1" vert="horz" wrap="square" lIns="121900" tIns="121900" rIns="121900" bIns="121900" rtlCol="0" anchor="t" anchorCtr="0">
-            <a:spAutoFit/>
-          </a:bodyPr>
-          <a:lstStyle/>
-          <a:p>
-            <a:r>
-              <a:rPr lang="ru"/>
-              <a:t>План защиты</a:t>
-            </a:r>
-            <a:endParaRPr/>
-          </a:p>
-        </p:txBody>
-      </p:sp>
-      <p:sp>
-        <p:nvSpPr>
-          <p:cNvPr id="172" name="Google Shape;172;p38"/>
-          <p:cNvSpPr/>
-          <p:nvPr/>
-        </p:nvSpPr>
-        <p:spPr>
-          <a:xfrm>
-            <a:off x="1517500" y="1988403"/>
-            <a:ext cx="4513200" cy="501600"/>
-          </a:xfrm>
-          <a:prstGeom prst="roundRect">
-            <a:avLst>
-              <a:gd name="adj" fmla="val 16667"/>
-            </a:avLst>
-          </a:prstGeom>
-          <a:solidFill>
-            <a:schemeClr val="lt2"/>
-          </a:solidFill>
-          <a:ln>
-            <a:noFill/>
-          </a:ln>
-          <a:effectLst>
-            <a:outerShdw blurRad="57150" dist="19050" dir="5400000" algn="bl" rotWithShape="0">
-              <a:srgbClr val="000000">
-                <a:alpha val="50000"/>
-              </a:srgbClr>
-            </a:outerShdw>
-          </a:effectLst>
-        </p:spPr>
-        <p:txBody>
-          <a:bodyPr spcFirstLastPara="1" wrap="square" lIns="216000" tIns="121900" rIns="216000" bIns="121900" anchor="ctr" anchorCtr="0">
-            <a:noAutofit/>
-          </a:bodyPr>
-          <a:lstStyle/>
-          <a:p>
-            <a:r>
-              <a:rPr lang="ru" sz="2400" dirty="0">
-                <a:solidFill>
-                  <a:schemeClr val="dk1"/>
-                </a:solidFill>
-                <a:latin typeface="Roboto"/>
-                <a:ea typeface="Roboto"/>
-                <a:cs typeface="Roboto"/>
-                <a:sym typeface="Roboto"/>
-              </a:rPr>
-              <a:t>Цель и задачи проекта</a:t>
-            </a:r>
-            <a:endParaRPr sz="2400" dirty="0">
-              <a:solidFill>
-                <a:schemeClr val="dk1"/>
-              </a:solidFill>
-              <a:latin typeface="Roboto"/>
-              <a:ea typeface="Roboto"/>
-              <a:cs typeface="Roboto"/>
-              <a:sym typeface="Roboto"/>
-            </a:endParaRPr>
-          </a:p>
-        </p:txBody>
-      </p:sp>
-      <p:sp>
-        <p:nvSpPr>
-          <p:cNvPr id="173" name="Google Shape;173;p38"/>
-          <p:cNvSpPr/>
-          <p:nvPr/>
-        </p:nvSpPr>
-        <p:spPr>
-          <a:xfrm>
-            <a:off x="1517500" y="2761989"/>
-            <a:ext cx="4513200" cy="501600"/>
-          </a:xfrm>
-          <a:prstGeom prst="roundRect">
-            <a:avLst>
-              <a:gd name="adj" fmla="val 16667"/>
-            </a:avLst>
-          </a:prstGeom>
-          <a:solidFill>
-            <a:schemeClr val="lt2"/>
-          </a:solidFill>
-          <a:ln>
-            <a:noFill/>
-          </a:ln>
-          <a:effectLst>
-            <a:outerShdw blurRad="57150" dist="19050" dir="5400000" algn="bl" rotWithShape="0">
-              <a:srgbClr val="000000">
-                <a:alpha val="50000"/>
-              </a:srgbClr>
-            </a:outerShdw>
-          </a:effectLst>
-        </p:spPr>
-        <p:txBody>
-          <a:bodyPr spcFirstLastPara="1" wrap="square" lIns="216000" tIns="121900" rIns="216000" bIns="121900" anchor="ctr" anchorCtr="0">
-            <a:noAutofit/>
-          </a:bodyPr>
-          <a:lstStyle/>
-          <a:p>
-            <a:r>
-              <a:rPr lang="ru" sz="2400">
-                <a:solidFill>
-                  <a:schemeClr val="dk1"/>
-                </a:solidFill>
-                <a:latin typeface="Roboto"/>
-                <a:ea typeface="Roboto"/>
-                <a:cs typeface="Roboto"/>
-                <a:sym typeface="Roboto"/>
-              </a:rPr>
-              <a:t>Какие технологии использовались</a:t>
-            </a:r>
-            <a:endParaRPr sz="2400">
-              <a:solidFill>
-                <a:schemeClr val="dk1"/>
-              </a:solidFill>
-              <a:latin typeface="Roboto"/>
-              <a:ea typeface="Roboto"/>
-              <a:cs typeface="Roboto"/>
-              <a:sym typeface="Roboto"/>
-            </a:endParaRPr>
-          </a:p>
-        </p:txBody>
-      </p:sp>
-      <p:sp>
-        <p:nvSpPr>
-          <p:cNvPr id="174" name="Google Shape;174;p38"/>
-          <p:cNvSpPr/>
-          <p:nvPr/>
-        </p:nvSpPr>
-        <p:spPr>
-          <a:xfrm>
-            <a:off x="1517500" y="3535568"/>
-            <a:ext cx="4513200" cy="501600"/>
-          </a:xfrm>
-          <a:prstGeom prst="roundRect">
-            <a:avLst>
-              <a:gd name="adj" fmla="val 16667"/>
-            </a:avLst>
-          </a:prstGeom>
-          <a:solidFill>
-            <a:schemeClr val="lt2"/>
-          </a:solidFill>
-          <a:ln>
-            <a:noFill/>
-          </a:ln>
-          <a:effectLst>
-            <a:outerShdw blurRad="57150" dist="19050" dir="5400000" algn="bl" rotWithShape="0">
-              <a:srgbClr val="000000">
-                <a:alpha val="50000"/>
-              </a:srgbClr>
-            </a:outerShdw>
-          </a:effectLst>
-        </p:spPr>
-        <p:txBody>
-          <a:bodyPr spcFirstLastPara="1" wrap="square" lIns="216000" tIns="121900" rIns="216000" bIns="121900" anchor="ctr" anchorCtr="0">
-            <a:noAutofit/>
-          </a:bodyPr>
-          <a:lstStyle/>
-          <a:p>
-            <a:r>
-              <a:rPr lang="ru" sz="2400">
-                <a:solidFill>
-                  <a:schemeClr val="dk1"/>
-                </a:solidFill>
-                <a:latin typeface="Roboto"/>
-                <a:ea typeface="Roboto"/>
-                <a:cs typeface="Roboto"/>
-                <a:sym typeface="Roboto"/>
-              </a:rPr>
-              <a:t>Что получилось</a:t>
-            </a:r>
-            <a:endParaRPr sz="2400">
-              <a:solidFill>
-                <a:schemeClr val="dk1"/>
-              </a:solidFill>
-              <a:latin typeface="Roboto"/>
-              <a:ea typeface="Roboto"/>
-              <a:cs typeface="Roboto"/>
-              <a:sym typeface="Roboto"/>
-            </a:endParaRPr>
-          </a:p>
-        </p:txBody>
-      </p:sp>
-      <p:sp>
-        <p:nvSpPr>
-          <p:cNvPr id="175" name="Google Shape;175;p38"/>
-          <p:cNvSpPr/>
-          <p:nvPr/>
-        </p:nvSpPr>
-        <p:spPr>
-          <a:xfrm>
-            <a:off x="1517500" y="4328300"/>
-            <a:ext cx="4513200" cy="501600"/>
-          </a:xfrm>
-          <a:prstGeom prst="roundRect">
-            <a:avLst>
-              <a:gd name="adj" fmla="val 16667"/>
-            </a:avLst>
-          </a:prstGeom>
-          <a:solidFill>
-            <a:schemeClr val="lt2"/>
-          </a:solidFill>
-          <a:ln>
-            <a:noFill/>
-          </a:ln>
-          <a:effectLst>
-            <a:outerShdw blurRad="57150" dist="19050" dir="5400000" algn="bl" rotWithShape="0">
-              <a:srgbClr val="000000">
-                <a:alpha val="50000"/>
-              </a:srgbClr>
-            </a:outerShdw>
-          </a:effectLst>
-        </p:spPr>
-        <p:txBody>
-          <a:bodyPr spcFirstLastPara="1" wrap="square" lIns="216000" tIns="121900" rIns="216000" bIns="121900" anchor="ctr" anchorCtr="0">
-            <a:noAutofit/>
-          </a:bodyPr>
-          <a:lstStyle/>
-          <a:p>
-            <a:r>
-              <a:rPr lang="ru" sz="2400">
-                <a:solidFill>
-                  <a:schemeClr val="dk1"/>
-                </a:solidFill>
-                <a:latin typeface="Roboto"/>
-                <a:ea typeface="Roboto"/>
-                <a:cs typeface="Roboto"/>
-                <a:sym typeface="Roboto"/>
-              </a:rPr>
-              <a:t>Выводы</a:t>
-            </a:r>
-            <a:endParaRPr sz="2400">
-              <a:solidFill>
-                <a:schemeClr val="dk1"/>
-              </a:solidFill>
-              <a:latin typeface="Roboto"/>
-              <a:ea typeface="Roboto"/>
-              <a:cs typeface="Roboto"/>
-              <a:sym typeface="Roboto"/>
-            </a:endParaRPr>
-          </a:p>
-        </p:txBody>
-      </p:sp>
-      <p:cxnSp>
-        <p:nvCxnSpPr>
-          <p:cNvPr id="176" name="Google Shape;176;p38"/>
-          <p:cNvCxnSpPr>
-            <a:stCxn id="172" idx="1"/>
-            <a:endCxn id="173" idx="1"/>
-          </p:cNvCxnSpPr>
-          <p:nvPr/>
-        </p:nvCxnSpPr>
-        <p:spPr>
-          <a:xfrm>
-            <a:off x="1517500" y="2239203"/>
-            <a:ext cx="800" cy="773600"/>
-          </a:xfrm>
-          <a:prstGeom prst="bentConnector3">
-            <a:avLst>
-              <a:gd name="adj1" fmla="val -39687500"/>
-            </a:avLst>
-          </a:prstGeom>
-          <a:noFill/>
-          <a:ln w="9525" cap="flat" cmpd="sng">
-            <a:solidFill>
-              <a:srgbClr val="3F299A"/>
-            </a:solidFill>
-            <a:prstDash val="dash"/>
-            <a:round/>
-            <a:headEnd type="none" w="med" len="med"/>
-            <a:tailEnd type="none" w="med" len="med"/>
-          </a:ln>
-        </p:spPr>
-      </p:cxnSp>
-      <p:cxnSp>
-        <p:nvCxnSpPr>
-          <p:cNvPr id="177" name="Google Shape;177;p38"/>
-          <p:cNvCxnSpPr>
-            <a:stCxn id="173" idx="1"/>
-            <a:endCxn id="174" idx="1"/>
-          </p:cNvCxnSpPr>
-          <p:nvPr/>
-        </p:nvCxnSpPr>
-        <p:spPr>
-          <a:xfrm>
-            <a:off x="1517500" y="3012789"/>
-            <a:ext cx="800" cy="773600"/>
-          </a:xfrm>
-          <a:prstGeom prst="bentConnector3">
-            <a:avLst>
-              <a:gd name="adj1" fmla="val -39687500"/>
-            </a:avLst>
-          </a:prstGeom>
-          <a:noFill/>
-          <a:ln w="9525" cap="flat" cmpd="sng">
-            <a:solidFill>
-              <a:srgbClr val="3F299A"/>
-            </a:solidFill>
-            <a:prstDash val="dash"/>
-            <a:round/>
-            <a:headEnd type="none" w="med" len="med"/>
-            <a:tailEnd type="none" w="med" len="med"/>
-          </a:ln>
-        </p:spPr>
-      </p:cxnSp>
-      <p:cxnSp>
-        <p:nvCxnSpPr>
-          <p:cNvPr id="178" name="Google Shape;178;p38"/>
-          <p:cNvCxnSpPr>
-            <a:stCxn id="174" idx="1"/>
-            <a:endCxn id="175" idx="1"/>
-          </p:cNvCxnSpPr>
-          <p:nvPr/>
-        </p:nvCxnSpPr>
-        <p:spPr>
-          <a:xfrm>
-            <a:off x="1517500" y="3786368"/>
-            <a:ext cx="800" cy="792800"/>
-          </a:xfrm>
-          <a:prstGeom prst="bentConnector3">
-            <a:avLst>
-              <a:gd name="adj1" fmla="val -39687500"/>
-            </a:avLst>
-          </a:prstGeom>
-          <a:noFill/>
-          <a:ln w="9525" cap="flat" cmpd="sng">
-            <a:solidFill>
-              <a:srgbClr val="3F299A"/>
-            </a:solidFill>
-            <a:prstDash val="dash"/>
-            <a:round/>
-            <a:headEnd type="none" w="med" len="med"/>
-            <a:tailEnd type="none" w="med" len="med"/>
-          </a:ln>
-        </p:spPr>
-      </p:cxnSp>
-      <p:cxnSp>
-        <p:nvCxnSpPr>
-          <p:cNvPr id="179" name="Google Shape;179;p38"/>
-          <p:cNvCxnSpPr>
-            <a:stCxn id="175" idx="1"/>
-            <a:endCxn id="180" idx="1"/>
-          </p:cNvCxnSpPr>
-          <p:nvPr/>
-        </p:nvCxnSpPr>
-        <p:spPr>
-          <a:xfrm>
-            <a:off x="1517500" y="4579100"/>
-            <a:ext cx="800" cy="702400"/>
-          </a:xfrm>
-          <a:prstGeom prst="bentConnector3">
-            <a:avLst>
-              <a:gd name="adj1" fmla="val -39687500"/>
-            </a:avLst>
-          </a:prstGeom>
-          <a:noFill/>
-          <a:ln w="9525" cap="flat" cmpd="sng">
-            <a:solidFill>
-              <a:srgbClr val="3F299A"/>
-            </a:solidFill>
-            <a:prstDash val="dash"/>
-            <a:round/>
-            <a:headEnd type="none" w="med" len="med"/>
-            <a:tailEnd type="none" w="med" len="med"/>
-          </a:ln>
-        </p:spPr>
-      </p:cxnSp>
-      <p:sp>
-        <p:nvSpPr>
-          <p:cNvPr id="180" name="Google Shape;180;p38"/>
-          <p:cNvSpPr/>
-          <p:nvPr/>
-        </p:nvSpPr>
-        <p:spPr>
-          <a:xfrm>
-            <a:off x="1517516" y="5030500"/>
-            <a:ext cx="4513200" cy="501600"/>
-          </a:xfrm>
-          <a:prstGeom prst="roundRect">
-            <a:avLst>
-              <a:gd name="adj" fmla="val 16667"/>
-            </a:avLst>
-          </a:prstGeom>
-          <a:solidFill>
-            <a:schemeClr val="lt2"/>
-          </a:solidFill>
-          <a:ln>
-            <a:noFill/>
-          </a:ln>
-          <a:effectLst>
-            <a:outerShdw blurRad="57150" dist="19050" dir="5400000" algn="bl" rotWithShape="0">
-              <a:srgbClr val="000000">
-                <a:alpha val="50000"/>
-              </a:srgbClr>
-            </a:outerShdw>
-          </a:effectLst>
-        </p:spPr>
-        <p:txBody>
-          <a:bodyPr spcFirstLastPara="1" wrap="square" lIns="216000" tIns="121900" rIns="216000" bIns="121900" anchor="ctr" anchorCtr="0">
-            <a:noAutofit/>
-          </a:bodyPr>
-          <a:lstStyle/>
-          <a:p>
-            <a:r>
-              <a:rPr lang="ru" sz="2400">
-                <a:solidFill>
-                  <a:schemeClr val="dk1"/>
-                </a:solidFill>
-                <a:latin typeface="Roboto"/>
-                <a:ea typeface="Roboto"/>
-                <a:cs typeface="Roboto"/>
-                <a:sym typeface="Roboto"/>
-              </a:rPr>
-              <a:t>Вопросы и рекомендации</a:t>
-            </a:r>
-            <a:endParaRPr sz="2400">
-              <a:solidFill>
-                <a:schemeClr val="dk1"/>
-              </a:solidFill>
-              <a:latin typeface="Roboto"/>
-              <a:ea typeface="Roboto"/>
-              <a:cs typeface="Roboto"/>
-              <a:sym typeface="Roboto"/>
-            </a:endParaRPr>
-          </a:p>
-        </p:txBody>
-      </p:sp>
-    </p:spTree>
-  </p:cSld>
-  <p:clrMapOvr>
-    <a:masterClrMapping/>
-  </p:clrMapOvr>
-</p:sld>
-</file>
-
-<file path=ppt/slides/slide5.xml><?xml version="1.0" encoding="utf-8"?>
 <p:sld xmlns:a="http://schemas.openxmlformats.org/drawingml/2006/main" xmlns:r="http://schemas.openxmlformats.org/officeDocument/2006/relationships" xmlns:p="http://schemas.openxmlformats.org/presentationml/2006/main">
   <p:cSld>
     <p:spTree>
@@ -9762,7 +9431,7 @@
 </p:sld>
 </file>
 
-<file path=ppt/slides/slide6.xml><?xml version="1.0" encoding="utf-8"?>
+<file path=ppt/slides/slide5.xml><?xml version="1.0" encoding="utf-8"?>
 <p:sld xmlns:a="http://schemas.openxmlformats.org/drawingml/2006/main" xmlns:r="http://schemas.openxmlformats.org/officeDocument/2006/relationships" xmlns:p="http://schemas.openxmlformats.org/presentationml/2006/main">
   <p:cSld>
     <p:spTree>
@@ -10723,7 +10392,7 @@
 </p:sld>
 </file>
 
-<file path=ppt/slides/slide7.xml><?xml version="1.0" encoding="utf-8"?>
+<file path=ppt/slides/slide6.xml><?xml version="1.0" encoding="utf-8"?>
 <p:sld xmlns:a="http://schemas.openxmlformats.org/drawingml/2006/main" xmlns:r="http://schemas.openxmlformats.org/officeDocument/2006/relationships" xmlns:p="http://schemas.openxmlformats.org/presentationml/2006/main">
   <p:cSld>
     <p:spTree>
@@ -11564,7 +11233,7 @@
 </p:sld>
 </file>
 
-<file path=ppt/slides/slide8.xml><?xml version="1.0" encoding="utf-8"?>
+<file path=ppt/slides/slide7.xml><?xml version="1.0" encoding="utf-8"?>
 <p:sld xmlns:a="http://schemas.openxmlformats.org/drawingml/2006/main" xmlns:r="http://schemas.openxmlformats.org/officeDocument/2006/relationships" xmlns:p="http://schemas.openxmlformats.org/presentationml/2006/main">
   <p:cSld>
     <p:spTree>
@@ -11834,6 +11503,50 @@
           </a:fontRef>
         </p:style>
       </p:cxnSp>
+      <p:pic>
+        <p:nvPicPr>
+          <p:cNvPr id="9" name="Рисунок 8">
+            <a:hlinkClick r:id="rId4"/>
+            <a:extLst>
+              <a:ext uri="{FF2B5EF4-FFF2-40B4-BE49-F238E27FC236}">
+                <a16:creationId xmlns:a16="http://schemas.microsoft.com/office/drawing/2014/main" id="{7D5832C9-AA95-0CC8-CD6A-DB59A6004A29}"/>
+              </a:ext>
+            </a:extLst>
+          </p:cNvPr>
+          <p:cNvPicPr>
+            <a:picLocks noChangeAspect="1"/>
+          </p:cNvPicPr>
+          <p:nvPr/>
+        </p:nvPicPr>
+        <p:blipFill>
+          <a:blip r:embed="rId5">
+            <a:duotone>
+              <a:schemeClr val="accent3">
+                <a:shade val="45000"/>
+                <a:satMod val="135000"/>
+              </a:schemeClr>
+              <a:prstClr val="white"/>
+            </a:duotone>
+            <a:extLst>
+              <a:ext uri="{28A0092B-C50C-407E-A947-70E740481C1C}">
+                <a14:useLocalDpi xmlns:a14="http://schemas.microsoft.com/office/drawing/2010/main" val="0"/>
+              </a:ext>
+            </a:extLst>
+          </a:blip>
+          <a:stretch>
+            <a:fillRect/>
+          </a:stretch>
+        </p:blipFill>
+        <p:spPr>
+          <a:xfrm>
+            <a:off x="9865524" y="4667822"/>
+            <a:ext cx="1320176" cy="1320176"/>
+          </a:xfrm>
+          <a:prstGeom prst="rect">
+            <a:avLst/>
+          </a:prstGeom>
+        </p:spPr>
+      </p:pic>
     </p:spTree>
   </p:cSld>
   <p:clrMapOvr>
@@ -11842,7 +11555,7 @@
 </p:sld>
 </file>
 
-<file path=ppt/slides/slide9.xml><?xml version="1.0" encoding="utf-8"?>
+<file path=ppt/slides/slide8.xml><?xml version="1.0" encoding="utf-8"?>
 <p:sld xmlns:a="http://schemas.openxmlformats.org/drawingml/2006/main" xmlns:r="http://schemas.openxmlformats.org/officeDocument/2006/relationships" xmlns:p="http://schemas.openxmlformats.org/presentationml/2006/main">
   <p:cSld>
     <p:spTree>
@@ -12722,6 +12435,315 @@
           </a:graphicData>
         </a:graphic>
       </p:graphicFrame>
+    </p:spTree>
+  </p:cSld>
+  <p:clrMapOvr>
+    <a:masterClrMapping/>
+  </p:clrMapOvr>
+</p:sld>
+</file>
+
+<file path=ppt/slides/slide9.xml><?xml version="1.0" encoding="utf-8"?>
+<p:sld xmlns:a="http://schemas.openxmlformats.org/drawingml/2006/main" xmlns:r="http://schemas.openxmlformats.org/officeDocument/2006/relationships" xmlns:p="http://schemas.openxmlformats.org/presentationml/2006/main">
+  <p:cSld>
+    <p:spTree>
+      <p:nvGrpSpPr>
+        <p:cNvPr id="1" name="Shape 220"/>
+        <p:cNvGrpSpPr/>
+        <p:nvPr/>
+      </p:nvGrpSpPr>
+      <p:grpSpPr>
+        <a:xfrm>
+          <a:off x="0" y="0"/>
+          <a:ext cx="0" cy="0"/>
+          <a:chOff x="0" y="0"/>
+          <a:chExt cx="0" cy="0"/>
+        </a:xfrm>
+      </p:grpSpPr>
+      <p:pic>
+        <p:nvPicPr>
+          <p:cNvPr id="221" name="Google Shape;221;p43"/>
+          <p:cNvPicPr preferRelativeResize="0"/>
+          <p:nvPr/>
+        </p:nvPicPr>
+        <p:blipFill>
+          <a:blip r:embed="rId3">
+            <a:alphaModFix/>
+          </a:blip>
+          <a:stretch>
+            <a:fillRect/>
+          </a:stretch>
+        </p:blipFill>
+        <p:spPr>
+          <a:xfrm>
+            <a:off x="0" y="0"/>
+            <a:ext cx="12288027" cy="6858000"/>
+          </a:xfrm>
+          <a:prstGeom prst="rect">
+            <a:avLst/>
+          </a:prstGeom>
+          <a:noFill/>
+          <a:ln>
+            <a:noFill/>
+          </a:ln>
+        </p:spPr>
+      </p:pic>
+      <p:sp>
+        <p:nvSpPr>
+          <p:cNvPr id="222" name="Google Shape;222;p43"/>
+          <p:cNvSpPr txBox="1"/>
+          <p:nvPr/>
+        </p:nvSpPr>
+        <p:spPr>
+          <a:xfrm>
+            <a:off x="516067" y="2459501"/>
+            <a:ext cx="10112400" cy="984781"/>
+          </a:xfrm>
+          <a:prstGeom prst="rect">
+            <a:avLst/>
+          </a:prstGeom>
+          <a:noFill/>
+          <a:ln>
+            <a:noFill/>
+          </a:ln>
+        </p:spPr>
+        <p:txBody>
+          <a:bodyPr spcFirstLastPara="1" wrap="square" lIns="121900" tIns="121900" rIns="121900" bIns="121900" anchor="t" anchorCtr="0">
+            <a:spAutoFit/>
+          </a:bodyPr>
+          <a:lstStyle/>
+          <a:p>
+            <a:pPr>
+              <a:lnSpc>
+                <a:spcPct val="90000"/>
+              </a:lnSpc>
+            </a:pPr>
+            <a:r>
+              <a:rPr lang="ru" sz="5333" b="1">
+                <a:solidFill>
+                  <a:schemeClr val="lt1"/>
+                </a:solidFill>
+                <a:latin typeface="Roboto"/>
+                <a:ea typeface="Roboto"/>
+                <a:cs typeface="Roboto"/>
+                <a:sym typeface="Roboto"/>
+              </a:rPr>
+              <a:t>Вопросы и рекомендации</a:t>
+            </a:r>
+            <a:endParaRPr sz="6000" b="1">
+              <a:solidFill>
+                <a:schemeClr val="lt1"/>
+              </a:solidFill>
+              <a:latin typeface="Roboto"/>
+              <a:ea typeface="Roboto"/>
+              <a:cs typeface="Roboto"/>
+              <a:sym typeface="Roboto"/>
+            </a:endParaRPr>
+          </a:p>
+        </p:txBody>
+      </p:sp>
+      <p:sp>
+        <p:nvSpPr>
+          <p:cNvPr id="223" name="Google Shape;223;p43"/>
+          <p:cNvSpPr txBox="1"/>
+          <p:nvPr/>
+        </p:nvSpPr>
+        <p:spPr>
+          <a:xfrm>
+            <a:off x="1619595" y="4082634"/>
+            <a:ext cx="2570000" cy="553957"/>
+          </a:xfrm>
+          <a:prstGeom prst="rect">
+            <a:avLst/>
+          </a:prstGeom>
+          <a:noFill/>
+          <a:ln>
+            <a:noFill/>
+          </a:ln>
+        </p:spPr>
+        <p:txBody>
+          <a:bodyPr spcFirstLastPara="1" wrap="square" lIns="121900" tIns="121900" rIns="121900" bIns="121900" anchor="t" anchorCtr="0">
+            <a:spAutoFit/>
+          </a:bodyPr>
+          <a:lstStyle/>
+          <a:p>
+            <a:r>
+              <a:rPr lang="ru" sz="2000">
+                <a:solidFill>
+                  <a:srgbClr val="FFFFFF"/>
+                </a:solidFill>
+                <a:latin typeface="Roboto"/>
+                <a:ea typeface="Roboto"/>
+                <a:cs typeface="Roboto"/>
+                <a:sym typeface="Roboto"/>
+              </a:rPr>
+              <a:t>если есть вопросы</a:t>
+            </a:r>
+            <a:endParaRPr sz="2000">
+              <a:solidFill>
+                <a:srgbClr val="FFFFFF"/>
+              </a:solidFill>
+              <a:latin typeface="Roboto"/>
+              <a:ea typeface="Roboto"/>
+              <a:cs typeface="Roboto"/>
+              <a:sym typeface="Roboto"/>
+            </a:endParaRPr>
+          </a:p>
+        </p:txBody>
+      </p:sp>
+      <p:sp>
+        <p:nvSpPr>
+          <p:cNvPr id="224" name="Google Shape;224;p43"/>
+          <p:cNvSpPr txBox="1"/>
+          <p:nvPr/>
+        </p:nvSpPr>
+        <p:spPr>
+          <a:xfrm>
+            <a:off x="6579995" y="4082634"/>
+            <a:ext cx="2861200" cy="553957"/>
+          </a:xfrm>
+          <a:prstGeom prst="rect">
+            <a:avLst/>
+          </a:prstGeom>
+          <a:noFill/>
+          <a:ln>
+            <a:noFill/>
+          </a:ln>
+        </p:spPr>
+        <p:txBody>
+          <a:bodyPr spcFirstLastPara="1" wrap="square" lIns="121900" tIns="121900" rIns="121900" bIns="121900" anchor="t" anchorCtr="0">
+            <a:spAutoFit/>
+          </a:bodyPr>
+          <a:lstStyle/>
+          <a:p>
+            <a:pPr>
+              <a:buClr>
+                <a:srgbClr val="000000"/>
+              </a:buClr>
+              <a:buSzPts val="1100"/>
+            </a:pPr>
+            <a:r>
+              <a:rPr lang="ru" sz="2000">
+                <a:solidFill>
+                  <a:srgbClr val="FFFFFF"/>
+                </a:solidFill>
+                <a:latin typeface="Roboto"/>
+                <a:ea typeface="Roboto"/>
+                <a:cs typeface="Roboto"/>
+                <a:sym typeface="Roboto"/>
+              </a:rPr>
+              <a:t>если вопросов нет</a:t>
+            </a:r>
+            <a:endParaRPr sz="2000">
+              <a:solidFill>
+                <a:srgbClr val="FFFFFF"/>
+              </a:solidFill>
+              <a:latin typeface="Roboto"/>
+              <a:ea typeface="Roboto"/>
+              <a:cs typeface="Roboto"/>
+              <a:sym typeface="Roboto"/>
+            </a:endParaRPr>
+          </a:p>
+        </p:txBody>
+      </p:sp>
+      <p:sp>
+        <p:nvSpPr>
+          <p:cNvPr id="225" name="Google Shape;225;p43"/>
+          <p:cNvSpPr txBox="1"/>
+          <p:nvPr/>
+        </p:nvSpPr>
+        <p:spPr>
+          <a:xfrm>
+            <a:off x="964000" y="3795234"/>
+            <a:ext cx="655600" cy="1128410"/>
+          </a:xfrm>
+          <a:prstGeom prst="rect">
+            <a:avLst/>
+          </a:prstGeom>
+          <a:noFill/>
+          <a:ln>
+            <a:noFill/>
+          </a:ln>
+        </p:spPr>
+        <p:txBody>
+          <a:bodyPr spcFirstLastPara="1" wrap="square" lIns="121900" tIns="121900" rIns="121900" bIns="121900" anchor="t" anchorCtr="0">
+            <a:spAutoFit/>
+          </a:bodyPr>
+          <a:lstStyle/>
+          <a:p>
+            <a:r>
+              <a:rPr lang="ru" sz="5733">
+                <a:solidFill>
+                  <a:schemeClr val="lt1"/>
+                </a:solidFill>
+                <a:latin typeface="Roboto"/>
+                <a:ea typeface="Roboto"/>
+                <a:cs typeface="Roboto"/>
+                <a:sym typeface="Roboto"/>
+              </a:rPr>
+              <a:t>+</a:t>
+            </a:r>
+            <a:endParaRPr sz="5733">
+              <a:solidFill>
+                <a:schemeClr val="lt1"/>
+              </a:solidFill>
+              <a:latin typeface="Roboto"/>
+              <a:ea typeface="Roboto"/>
+              <a:cs typeface="Roboto"/>
+              <a:sym typeface="Roboto"/>
+            </a:endParaRPr>
+          </a:p>
+        </p:txBody>
+      </p:sp>
+      <p:sp>
+        <p:nvSpPr>
+          <p:cNvPr id="226" name="Google Shape;226;p43"/>
+          <p:cNvSpPr txBox="1"/>
+          <p:nvPr/>
+        </p:nvSpPr>
+        <p:spPr>
+          <a:xfrm>
+            <a:off x="5924400" y="3795234"/>
+            <a:ext cx="655600" cy="1128410"/>
+          </a:xfrm>
+          <a:prstGeom prst="rect">
+            <a:avLst/>
+          </a:prstGeom>
+          <a:noFill/>
+          <a:ln>
+            <a:noFill/>
+          </a:ln>
+        </p:spPr>
+        <p:txBody>
+          <a:bodyPr spcFirstLastPara="1" wrap="square" lIns="121900" tIns="121900" rIns="121900" bIns="121900" anchor="t" anchorCtr="0">
+            <a:spAutoFit/>
+          </a:bodyPr>
+          <a:lstStyle/>
+          <a:p>
+            <a:r>
+              <a:rPr lang="ru" sz="5733">
+                <a:solidFill>
+                  <a:schemeClr val="lt1"/>
+                </a:solidFill>
+                <a:latin typeface="Roboto"/>
+                <a:ea typeface="Roboto"/>
+                <a:cs typeface="Roboto"/>
+                <a:sym typeface="Roboto"/>
+              </a:rPr>
+              <a:t>– </a:t>
+            </a:r>
+            <a:endParaRPr sz="5733">
+              <a:solidFill>
+                <a:schemeClr val="lt1"/>
+              </a:solidFill>
+              <a:latin typeface="Roboto"/>
+              <a:ea typeface="Roboto"/>
+              <a:cs typeface="Roboto"/>
+              <a:sym typeface="Roboto"/>
+            </a:endParaRPr>
+          </a:p>
+        </p:txBody>
+      </p:sp>
     </p:spTree>
   </p:cSld>
   <p:clrMapOvr>
